--- a/lectures/12.proxy/proxy.pptx
+++ b/lectures/12.proxy/proxy.pptx
@@ -241,7 +241,7 @@
           <a:p>
             <a:fld id="{2F3DCB6D-0B48-4A3D-B663-06C3F903A9D3}" type="datetimeFigureOut">
               <a:rPr lang="ru-RU" smtClean="0"/>
-              <a:t>09.06.2016</a:t>
+              <a:t>17.06.2018</a:t>
             </a:fld>
             <a:endParaRPr lang="ru-RU"/>
           </a:p>
@@ -922,7 +922,7 @@
           <a:p>
             <a:fld id="{2590F9C9-AB92-4E86-B698-DEC9BF4350FF}" type="datetimeFigureOut">
               <a:rPr lang="ru-RU" smtClean="0"/>
-              <a:t>09.06.2016</a:t>
+              <a:t>17.06.2018</a:t>
             </a:fld>
             <a:endParaRPr lang="ru-RU"/>
           </a:p>
@@ -1146,7 +1146,7 @@
           <a:p>
             <a:fld id="{2590F9C9-AB92-4E86-B698-DEC9BF4350FF}" type="datetimeFigureOut">
               <a:rPr lang="ru-RU" smtClean="0"/>
-              <a:t>09.06.2016</a:t>
+              <a:t>17.06.2018</a:t>
             </a:fld>
             <a:endParaRPr lang="ru-RU"/>
           </a:p>
@@ -1418,7 +1418,7 @@
           <a:p>
             <a:fld id="{2590F9C9-AB92-4E86-B698-DEC9BF4350FF}" type="datetimeFigureOut">
               <a:rPr lang="ru-RU" smtClean="0"/>
-              <a:t>09.06.2016</a:t>
+              <a:t>17.06.2018</a:t>
             </a:fld>
             <a:endParaRPr lang="ru-RU"/>
           </a:p>
@@ -1593,7 +1593,7 @@
           <a:p>
             <a:fld id="{2590F9C9-AB92-4E86-B698-DEC9BF4350FF}" type="datetimeFigureOut">
               <a:rPr lang="ru-RU" smtClean="0"/>
-              <a:t>09.06.2016</a:t>
+              <a:t>17.06.2018</a:t>
             </a:fld>
             <a:endParaRPr lang="ru-RU"/>
           </a:p>
@@ -1954,7 +1954,7 @@
           <a:p>
             <a:fld id="{2590F9C9-AB92-4E86-B698-DEC9BF4350FF}" type="datetimeFigureOut">
               <a:rPr lang="ru-RU" smtClean="0"/>
-              <a:t>09.06.2016</a:t>
+              <a:t>17.06.2018</a:t>
             </a:fld>
             <a:endParaRPr lang="ru-RU"/>
           </a:p>
@@ -2246,7 +2246,7 @@
           <a:p>
             <a:fld id="{2590F9C9-AB92-4E86-B698-DEC9BF4350FF}" type="datetimeFigureOut">
               <a:rPr lang="ru-RU" smtClean="0"/>
-              <a:t>09.06.2016</a:t>
+              <a:t>17.06.2018</a:t>
             </a:fld>
             <a:endParaRPr lang="ru-RU"/>
           </a:p>
@@ -2668,7 +2668,7 @@
           <a:p>
             <a:fld id="{2590F9C9-AB92-4E86-B698-DEC9BF4350FF}" type="datetimeFigureOut">
               <a:rPr lang="ru-RU" smtClean="0"/>
-              <a:t>09.06.2016</a:t>
+              <a:t>17.06.2018</a:t>
             </a:fld>
             <a:endParaRPr lang="ru-RU"/>
           </a:p>
@@ -2781,7 +2781,7 @@
           <a:p>
             <a:fld id="{2590F9C9-AB92-4E86-B698-DEC9BF4350FF}" type="datetimeFigureOut">
               <a:rPr lang="ru-RU" smtClean="0"/>
-              <a:t>09.06.2016</a:t>
+              <a:t>17.06.2018</a:t>
             </a:fld>
             <a:endParaRPr lang="ru-RU"/>
           </a:p>
@@ -2878,7 +2878,7 @@
           <a:p>
             <a:fld id="{2590F9C9-AB92-4E86-B698-DEC9BF4350FF}" type="datetimeFigureOut">
               <a:rPr lang="ru-RU" smtClean="0"/>
-              <a:t>09.06.2016</a:t>
+              <a:t>17.06.2018</a:t>
             </a:fld>
             <a:endParaRPr lang="ru-RU"/>
           </a:p>
@@ -3163,7 +3163,7 @@
           <a:p>
             <a:fld id="{2590F9C9-AB92-4E86-B698-DEC9BF4350FF}" type="datetimeFigureOut">
               <a:rPr lang="ru-RU" smtClean="0"/>
-              <a:t>09.06.2016</a:t>
+              <a:t>17.06.2018</a:t>
             </a:fld>
             <a:endParaRPr lang="ru-RU"/>
           </a:p>
@@ -3525,7 +3525,7 @@
           <a:p>
             <a:fld id="{2590F9C9-AB92-4E86-B698-DEC9BF4350FF}" type="datetimeFigureOut">
               <a:rPr lang="ru-RU" smtClean="0"/>
-              <a:t>09.06.2016</a:t>
+              <a:t>17.06.2018</a:t>
             </a:fld>
             <a:endParaRPr lang="ru-RU"/>
           </a:p>
@@ -3950,7 +3950,7 @@
           <a:p>
             <a:fld id="{2590F9C9-AB92-4E86-B698-DEC9BF4350FF}" type="datetimeFigureOut">
               <a:rPr lang="ru-RU" smtClean="0"/>
-              <a:t>09.06.2016</a:t>
+              <a:t>17.06.2018</a:t>
             </a:fld>
             <a:endParaRPr lang="ru-RU"/>
           </a:p>
@@ -34890,10 +34890,21 @@
                 <a:ea typeface="Calibri" panose="020F0502020204030204" pitchFamily="34" charset="0"/>
                 <a:cs typeface="Consolas" panose="020B0609020204030204" pitchFamily="49" charset="0"/>
               </a:rPr>
-              <a:t> (!</a:t>
-            </a:r>
-            <a:r>
-              <a:rPr lang="en-US" sz="1400" dirty="0" err="1">
+              <a:t> </a:t>
+            </a:r>
+            <a:r>
+              <a:rPr lang="en-US" sz="1400" dirty="0" smtClean="0">
+                <a:solidFill>
+                  <a:srgbClr val="000000"/>
+                </a:solidFill>
+                <a:latin typeface="Consolas" panose="020B0609020204030204" pitchFamily="49" charset="0"/>
+                <a:ea typeface="Calibri" panose="020F0502020204030204" pitchFamily="34" charset="0"/>
+                <a:cs typeface="Consolas" panose="020B0609020204030204" pitchFamily="49" charset="0"/>
+              </a:rPr>
+              <a:t>(</a:t>
+            </a:r>
+            <a:r>
+              <a:rPr lang="en-US" sz="1400" dirty="0" err="1" smtClean="0">
                 <a:solidFill>
                   <a:srgbClr val="000080"/>
                 </a:solidFill>
@@ -34904,7 +34915,7 @@
               <a:t>m_shared</a:t>
             </a:r>
             <a:r>
-              <a:rPr lang="en-US" sz="1400" dirty="0" err="1">
+              <a:rPr lang="en-US" sz="1400" dirty="0" err="1" smtClean="0">
                 <a:solidFill>
                   <a:srgbClr val="000000"/>
                 </a:solidFill>
@@ -34915,7 +34926,7 @@
               <a:t>.</a:t>
             </a:r>
             <a:r>
-              <a:rPr lang="en-US" sz="1400" i="1" dirty="0" err="1">
+              <a:rPr lang="en-US" sz="1400" i="1" dirty="0" err="1" smtClean="0">
                 <a:solidFill>
                   <a:srgbClr val="880000"/>
                 </a:solidFill>
@@ -34923,18 +34934,18 @@
                 <a:ea typeface="Calibri" panose="020F0502020204030204" pitchFamily="34" charset="0"/>
                 <a:cs typeface="Consolas" panose="020B0609020204030204" pitchFamily="49" charset="0"/>
               </a:rPr>
-              <a:t>unique</a:t>
-            </a:r>
-            <a:r>
-              <a:rPr lang="en-US" sz="1400" dirty="0">
-                <a:solidFill>
-                  <a:srgbClr val="000000"/>
-                </a:solidFill>
-                <a:latin typeface="Consolas" panose="020B0609020204030204" pitchFamily="49" charset="0"/>
-                <a:ea typeface="Calibri" panose="020F0502020204030204" pitchFamily="34" charset="0"/>
-                <a:cs typeface="Consolas" panose="020B0609020204030204" pitchFamily="49" charset="0"/>
-              </a:rPr>
-              <a:t>())</a:t>
+              <a:t>use_count</a:t>
+            </a:r>
+            <a:r>
+              <a:rPr lang="en-US" sz="1400" dirty="0" smtClean="0">
+                <a:solidFill>
+                  <a:srgbClr val="000000"/>
+                </a:solidFill>
+                <a:latin typeface="Consolas" panose="020B0609020204030204" pitchFamily="49" charset="0"/>
+                <a:ea typeface="Calibri" panose="020F0502020204030204" pitchFamily="34" charset="0"/>
+                <a:cs typeface="Consolas" panose="020B0609020204030204" pitchFamily="49" charset="0"/>
+              </a:rPr>
+              <a:t>() == 1)</a:t>
             </a:r>
             <a:endParaRPr lang="ru-RU" sz="1400" dirty="0">
               <a:solidFill>
